--- a/Ransome_SSD_project.pptx
+++ b/Ransome_SSD_project.pptx
@@ -117,6 +117,11 @@
       </a:defRPr>
     </a:lvl9pPr>
   </p:defaultTextStyle>
+  <p:extLst>
+    <p:ext uri="{EFAFB233-063F-42B5-8137-9DF3F51BA10A}">
+      <p15:sldGuideLst xmlns:p15="http://schemas.microsoft.com/office/powerpoint/2012/main"/>
+    </p:ext>
+  </p:extLst>
 </p:presentation>
 </file>
 
@@ -130,20 +135,6 @@
     </p:extLst>
   </p:cmAuthor>
 </p:cmAuthorLst>
-</file>
-
-<file path=ppt/comments/comment1.xml><?xml version="1.0" encoding="utf-8"?>
-<p:cmLst xmlns:a="http://schemas.openxmlformats.org/drawingml/2006/main" xmlns:r="http://schemas.openxmlformats.org/officeDocument/2006/relationships" xmlns:p="http://schemas.openxmlformats.org/presentationml/2006/main">
-  <p:cm authorId="1" dt="2021-12-09T21:48:59.700" idx="1">
-    <p:pos x="6237" y="582"/>
-    <p:text/>
-    <p:extLst>
-      <p:ext uri="{C676402C-5697-4E1C-873F-D02D1690AC5C}">
-        <p15:threadingInfo xmlns:p15="http://schemas.microsoft.com/office/powerpoint/2012/main" timeZoneBias="-180"/>
-      </p:ext>
-    </p:extLst>
-  </p:cm>
-</p:cmLst>
 </file>
 
 <file path=ppt/slideLayouts/slideLayout1.xml><?xml version="1.0" encoding="utf-8"?>
@@ -293,7 +284,7 @@
           <a:p>
             <a:fld id="{C9743E5E-055E-4387-8259-30228F9A9976}" type="datetimeFigureOut">
               <a:rPr lang="en-US" smtClean="0"/>
-              <a:t>12/9/2021</a:t>
+              <a:t>12/13/2021</a:t>
             </a:fld>
             <a:endParaRPr lang="en-US"/>
           </a:p>
@@ -491,7 +482,7 @@
           <a:p>
             <a:fld id="{C9743E5E-055E-4387-8259-30228F9A9976}" type="datetimeFigureOut">
               <a:rPr lang="en-US" smtClean="0"/>
-              <a:t>12/9/2021</a:t>
+              <a:t>12/13/2021</a:t>
             </a:fld>
             <a:endParaRPr lang="en-US"/>
           </a:p>
@@ -699,7 +690,7 @@
           <a:p>
             <a:fld id="{C9743E5E-055E-4387-8259-30228F9A9976}" type="datetimeFigureOut">
               <a:rPr lang="en-US" smtClean="0"/>
-              <a:t>12/9/2021</a:t>
+              <a:t>12/13/2021</a:t>
             </a:fld>
             <a:endParaRPr lang="en-US"/>
           </a:p>
@@ -897,7 +888,7 @@
           <a:p>
             <a:fld id="{C9743E5E-055E-4387-8259-30228F9A9976}" type="datetimeFigureOut">
               <a:rPr lang="en-US" smtClean="0"/>
-              <a:t>12/9/2021</a:t>
+              <a:t>12/13/2021</a:t>
             </a:fld>
             <a:endParaRPr lang="en-US"/>
           </a:p>
@@ -1172,7 +1163,7 @@
           <a:p>
             <a:fld id="{C9743E5E-055E-4387-8259-30228F9A9976}" type="datetimeFigureOut">
               <a:rPr lang="en-US" smtClean="0"/>
-              <a:t>12/9/2021</a:t>
+              <a:t>12/13/2021</a:t>
             </a:fld>
             <a:endParaRPr lang="en-US"/>
           </a:p>
@@ -1437,7 +1428,7 @@
           <a:p>
             <a:fld id="{C9743E5E-055E-4387-8259-30228F9A9976}" type="datetimeFigureOut">
               <a:rPr lang="en-US" smtClean="0"/>
-              <a:t>12/9/2021</a:t>
+              <a:t>12/13/2021</a:t>
             </a:fld>
             <a:endParaRPr lang="en-US"/>
           </a:p>
@@ -1849,7 +1840,7 @@
           <a:p>
             <a:fld id="{C9743E5E-055E-4387-8259-30228F9A9976}" type="datetimeFigureOut">
               <a:rPr lang="en-US" smtClean="0"/>
-              <a:t>12/9/2021</a:t>
+              <a:t>12/13/2021</a:t>
             </a:fld>
             <a:endParaRPr lang="en-US"/>
           </a:p>
@@ -1990,7 +1981,7 @@
           <a:p>
             <a:fld id="{C9743E5E-055E-4387-8259-30228F9A9976}" type="datetimeFigureOut">
               <a:rPr lang="en-US" smtClean="0"/>
-              <a:t>12/9/2021</a:t>
+              <a:t>12/13/2021</a:t>
             </a:fld>
             <a:endParaRPr lang="en-US"/>
           </a:p>
@@ -2103,7 +2094,7 @@
           <a:p>
             <a:fld id="{C9743E5E-055E-4387-8259-30228F9A9976}" type="datetimeFigureOut">
               <a:rPr lang="en-US" smtClean="0"/>
-              <a:t>12/9/2021</a:t>
+              <a:t>12/13/2021</a:t>
             </a:fld>
             <a:endParaRPr lang="en-US"/>
           </a:p>
@@ -2414,7 +2405,7 @@
           <a:p>
             <a:fld id="{C9743E5E-055E-4387-8259-30228F9A9976}" type="datetimeFigureOut">
               <a:rPr lang="en-US" smtClean="0"/>
-              <a:t>12/9/2021</a:t>
+              <a:t>12/13/2021</a:t>
             </a:fld>
             <a:endParaRPr lang="en-US"/>
           </a:p>
@@ -2702,7 +2693,7 @@
           <a:p>
             <a:fld id="{C9743E5E-055E-4387-8259-30228F9A9976}" type="datetimeFigureOut">
               <a:rPr lang="en-US" smtClean="0"/>
-              <a:t>12/9/2021</a:t>
+              <a:t>12/13/2021</a:t>
             </a:fld>
             <a:endParaRPr lang="en-US"/>
           </a:p>
@@ -2943,7 +2934,7 @@
           <a:p>
             <a:fld id="{C9743E5E-055E-4387-8259-30228F9A9976}" type="datetimeFigureOut">
               <a:rPr lang="en-US" smtClean="0"/>
-              <a:t>12/9/2021</a:t>
+              <a:t>12/13/2021</a:t>
             </a:fld>
             <a:endParaRPr lang="en-US"/>
           </a:p>
@@ -3562,7 +3553,7 @@
                 </a:solidFill>
                 <a:latin typeface="+mj-lt"/>
               </a:rPr>
-              <a:t> Daria 818</a:t>
+              <a:t> Daria 815</a:t>
             </a:r>
           </a:p>
         </p:txBody>
@@ -3833,7 +3824,12 @@
             <p:ph type="title"/>
           </p:nvPr>
         </p:nvSpPr>
-        <p:spPr/>
+        <p:spPr>
+          <a:xfrm>
+            <a:off x="532660" y="365125"/>
+            <a:ext cx="10821140" cy="1325563"/>
+          </a:xfrm>
+        </p:spPr>
         <p:txBody>
           <a:bodyPr/>
           <a:lstStyle/>
@@ -3861,7 +3857,12 @@
             <p:ph idx="1"/>
           </p:nvPr>
         </p:nvSpPr>
-        <p:spPr/>
+        <p:spPr>
+          <a:xfrm>
+            <a:off x="443883" y="1825625"/>
+            <a:ext cx="10909917" cy="4351338"/>
+          </a:xfrm>
+        </p:spPr>
         <p:txBody>
           <a:bodyPr>
             <a:normAutofit/>
@@ -4071,10 +4072,16 @@
         </p:nvSpPr>
         <p:spPr/>
         <p:txBody>
-          <a:bodyPr/>
-          <a:lstStyle/>
-          <a:p>
-            <a:endParaRPr lang="en-US"/>
+          <a:bodyPr>
+            <a:normAutofit/>
+          </a:bodyPr>
+          <a:lstStyle/>
+          <a:p>
+            <a:r>
+              <a:rPr lang="en-US" b="0" i="0" u="none" strike="noStrike" baseline="0" dirty="0"/>
+              <a:t>Reference</a:t>
+            </a:r>
+            <a:endParaRPr lang="en-US" dirty="0"/>
           </a:p>
         </p:txBody>
       </p:sp>
@@ -4096,10 +4103,19 @@
         </p:nvSpPr>
         <p:spPr/>
         <p:txBody>
-          <a:bodyPr/>
-          <a:lstStyle/>
-          <a:p>
-            <a:endParaRPr lang="en-US"/>
+          <a:bodyPr>
+            <a:normAutofit/>
+          </a:bodyPr>
+          <a:lstStyle/>
+          <a:p>
+            <a:pPr marL="0" indent="0" algn="l">
+              <a:buNone/>
+            </a:pPr>
+            <a:r>
+              <a:rPr lang="en-US" sz="2400" b="0" i="0" u="none" strike="noStrike" baseline="0" dirty="0"/>
+              <a:t>Based on the research supported by Global Research Lab. (GRL) Program of the National Research Foundation (NRF) funded by Ministry of Science, ICT (Information and Communication Technologies) and Future Planning(NRF-2016K1A1A2912757)</a:t>
+            </a:r>
+            <a:endParaRPr lang="en-US" sz="2400" dirty="0"/>
           </a:p>
         </p:txBody>
       </p:sp>
@@ -4182,7 +4198,34 @@
           <a:bodyPr/>
           <a:lstStyle/>
           <a:p>
-            <a:endParaRPr lang="en-US"/>
+            <a:r>
+              <a:rPr lang="en-US" dirty="0"/>
+              <a:t>What is ransomware?</a:t>
+            </a:r>
+          </a:p>
+          <a:p>
+            <a:r>
+              <a:rPr lang="en-US" dirty="0"/>
+              <a:t>Project motivation</a:t>
+            </a:r>
+          </a:p>
+          <a:p>
+            <a:r>
+              <a:rPr lang="en-US" dirty="0"/>
+              <a:t>Examples of crypto ransomware</a:t>
+            </a:r>
+          </a:p>
+          <a:p>
+            <a:r>
+              <a:rPr lang="en-US" dirty="0"/>
+              <a:t>Effective detection</a:t>
+            </a:r>
+          </a:p>
+          <a:p>
+            <a:r>
+              <a:rPr lang="en-US" dirty="0"/>
+              <a:t>Implementation</a:t>
+            </a:r>
           </a:p>
         </p:txBody>
       </p:sp>
@@ -5440,25 +5483,25 @@
               <a:t>OWIO</a:t>
             </a:r>
             <a:r>
-              <a:rPr lang="en-US" sz="1800" b="0" i="1" u="none" strike="noStrike" baseline="0" dirty="0">
+              <a:rPr lang="en-US" sz="2000" b="0" i="1" u="none" strike="noStrike" baseline="0" dirty="0">
                 <a:latin typeface="+mj-lt"/>
               </a:rPr>
               <a:t> </a:t>
             </a:r>
             <a:r>
-              <a:rPr lang="en-US" sz="1800" b="0" i="0" u="none" strike="noStrike" baseline="0" dirty="0">
+              <a:rPr lang="en-US" sz="2000" b="0" i="0" u="none" strike="noStrike" baseline="0" dirty="0">
                 <a:latin typeface="+mj-lt"/>
               </a:rPr>
               <a:t>denotes the number of </a:t>
             </a:r>
             <a:r>
-              <a:rPr lang="en-US" sz="1800" b="0" i="0" u="none" strike="noStrike" baseline="0" dirty="0" err="1">
+              <a:rPr lang="en-US" sz="2000" b="0" i="0" u="none" strike="noStrike" baseline="0" dirty="0" err="1">
                 <a:latin typeface="+mj-lt"/>
               </a:rPr>
               <a:t>overwritings</a:t>
             </a:r>
             <a:r>
-              <a:rPr lang="en-US" sz="1800" b="0" i="0" u="none" strike="noStrike" baseline="0" dirty="0">
+              <a:rPr lang="en-US" sz="2000" b="0" i="0" u="none" strike="noStrike" baseline="0" dirty="0">
                 <a:latin typeface="+mj-lt"/>
               </a:rPr>
               <a:t> for a time slice (e.g., 1 sec).</a:t>
@@ -5475,13 +5518,13 @@
               <a:t>OWST</a:t>
             </a:r>
             <a:r>
-              <a:rPr lang="en-US" sz="1800" b="0" i="1" u="none" strike="noStrike" baseline="0" dirty="0">
+              <a:rPr lang="en-US" sz="2000" b="0" i="1" u="none" strike="noStrike" baseline="0" dirty="0">
                 <a:latin typeface="+mj-lt"/>
               </a:rPr>
               <a:t> </a:t>
             </a:r>
             <a:r>
-              <a:rPr lang="en-US" sz="1800" b="0" i="0" u="none" strike="noStrike" baseline="0" dirty="0">
+              <a:rPr lang="en-US" sz="2000" b="0" i="0" u="none" strike="noStrike" baseline="0" dirty="0">
                 <a:latin typeface="+mj-lt"/>
               </a:rPr>
               <a:t>is the fraction of overwritten blocks over the total number of write requests during a time window.</a:t>
@@ -5498,37 +5541,37 @@
               <a:t>PWIO</a:t>
             </a:r>
             <a:r>
-              <a:rPr lang="en-US" sz="1800" b="0" i="1" u="none" strike="noStrike" baseline="0" dirty="0">
+              <a:rPr lang="en-US" sz="2000" b="0" i="1" u="none" strike="noStrike" baseline="0" dirty="0">
                 <a:latin typeface="+mj-lt"/>
               </a:rPr>
               <a:t> </a:t>
             </a:r>
             <a:r>
-              <a:rPr lang="en-US" sz="1800" b="0" i="0" u="none" strike="noStrike" baseline="0" dirty="0">
+              <a:rPr lang="en-US" sz="2000" b="0" i="0" u="none" strike="noStrike" baseline="0" dirty="0">
                 <a:latin typeface="+mj-lt"/>
               </a:rPr>
               <a:t>is the number of </a:t>
             </a:r>
             <a:r>
-              <a:rPr lang="en-US" sz="1800" b="0" i="0" u="none" strike="noStrike" baseline="0" dirty="0" err="1">
+              <a:rPr lang="en-US" sz="2000" b="0" i="0" u="none" strike="noStrike" baseline="0" dirty="0" err="1">
                 <a:latin typeface="+mj-lt"/>
               </a:rPr>
               <a:t>overwritings</a:t>
             </a:r>
             <a:r>
-              <a:rPr lang="en-US" sz="1800" b="0" i="0" u="none" strike="noStrike" baseline="0" dirty="0">
+              <a:rPr lang="en-US" sz="2000" b="0" i="0" u="none" strike="noStrike" baseline="0" dirty="0">
                 <a:latin typeface="+mj-lt"/>
               </a:rPr>
               <a:t> for a time window consisting of </a:t>
             </a:r>
             <a:r>
-              <a:rPr lang="en-US" sz="1800" b="0" i="1" u="none" strike="noStrike" baseline="0" dirty="0">
+              <a:rPr lang="en-US" sz="2000" b="0" i="1" u="none" strike="noStrike" baseline="0" dirty="0">
                 <a:latin typeface="+mj-lt"/>
               </a:rPr>
               <a:t>N </a:t>
             </a:r>
             <a:r>
-              <a:rPr lang="en-US" sz="1800" b="0" i="0" u="none" strike="noStrike" baseline="0" dirty="0">
+              <a:rPr lang="en-US" sz="2000" b="0" i="0" u="none" strike="noStrike" baseline="0" dirty="0">
                 <a:latin typeface="+mj-lt"/>
               </a:rPr>
               <a:t>time slices.</a:t>
@@ -5545,13 +5588,13 @@
               <a:t>AVGWIO</a:t>
             </a:r>
             <a:r>
-              <a:rPr lang="en-US" sz="1800" b="0" i="1" u="none" strike="noStrike" baseline="0" dirty="0">
+              <a:rPr lang="en-US" sz="2000" b="0" i="1" u="none" strike="noStrike" baseline="0" dirty="0">
                 <a:latin typeface="+mj-lt"/>
               </a:rPr>
               <a:t> </a:t>
             </a:r>
             <a:r>
-              <a:rPr lang="en-US" sz="1800" b="0" i="0" u="none" strike="noStrike" baseline="0" dirty="0">
+              <a:rPr lang="en-US" sz="2000" b="0" i="0" u="none" strike="noStrike" baseline="0" dirty="0">
                 <a:latin typeface="+mj-lt"/>
               </a:rPr>
               <a:t>is the average length of continuously overwritten blocks in a current time window.</a:t>
@@ -5568,37 +5611,37 @@
               <a:t>OWSLOPE</a:t>
             </a:r>
             <a:r>
-              <a:rPr lang="en-US" sz="1800" b="0" i="1" u="none" strike="noStrike" baseline="0" dirty="0">
+              <a:rPr lang="en-US" sz="2000" b="0" i="1" u="none" strike="noStrike" baseline="0" dirty="0">
                 <a:latin typeface="+mj-lt"/>
               </a:rPr>
               <a:t> </a:t>
             </a:r>
             <a:r>
-              <a:rPr lang="en-US" sz="1800" b="0" i="0" u="none" strike="noStrike" baseline="0" dirty="0">
+              <a:rPr lang="en-US" sz="2000" b="0" i="0" u="none" strike="noStrike" baseline="0" dirty="0">
                 <a:latin typeface="+mj-lt"/>
               </a:rPr>
               <a:t>is the fraction of the number of </a:t>
             </a:r>
             <a:r>
-              <a:rPr lang="en-US" sz="1800" b="0" i="0" u="none" strike="noStrike" baseline="0" dirty="0" err="1">
+              <a:rPr lang="en-US" sz="2000" b="0" i="0" u="none" strike="noStrike" baseline="0" dirty="0" err="1">
                 <a:latin typeface="+mj-lt"/>
               </a:rPr>
               <a:t>overwritings</a:t>
             </a:r>
             <a:r>
-              <a:rPr lang="en-US" sz="1800" b="0" i="0" u="none" strike="noStrike" baseline="0" dirty="0">
+              <a:rPr lang="en-US" sz="2000" b="0" i="0" u="none" strike="noStrike" baseline="0" dirty="0">
                 <a:latin typeface="+mj-lt"/>
               </a:rPr>
               <a:t> during a current time slice over the average number of </a:t>
             </a:r>
             <a:r>
-              <a:rPr lang="en-US" sz="1800" b="0" i="0" u="none" strike="noStrike" baseline="0" dirty="0" err="1">
+              <a:rPr lang="en-US" sz="2000" b="0" i="0" u="none" strike="noStrike" baseline="0" dirty="0" err="1">
                 <a:latin typeface="+mj-lt"/>
               </a:rPr>
               <a:t>overwritings</a:t>
             </a:r>
             <a:r>
-              <a:rPr lang="en-US" sz="1800" b="0" i="0" u="none" strike="noStrike" baseline="0" dirty="0">
+              <a:rPr lang="en-US" sz="2000" b="0" i="0" u="none" strike="noStrike" baseline="0" dirty="0">
                 <a:latin typeface="+mj-lt"/>
               </a:rPr>
               <a:t> over the previous time window.</a:t>
@@ -5615,36 +5658,36 @@
               <a:t>IO</a:t>
             </a:r>
             <a:r>
-              <a:rPr lang="en-US" sz="1800" b="0" i="1" u="none" strike="noStrike" baseline="0" dirty="0">
+              <a:rPr lang="en-US" sz="2000" b="0" i="1" u="none" strike="noStrike" baseline="0" dirty="0">
                 <a:latin typeface="+mj-lt"/>
               </a:rPr>
               <a:t> </a:t>
             </a:r>
             <a:r>
-              <a:rPr lang="en-US" sz="1800" b="0" i="0" u="none" strike="noStrike" baseline="0" dirty="0">
+              <a:rPr lang="en-US" sz="2000" b="0" i="0" u="none" strike="noStrike" baseline="0" dirty="0">
                 <a:latin typeface="+mj-lt"/>
               </a:rPr>
               <a:t>is the fraction of the number of </a:t>
             </a:r>
             <a:r>
-              <a:rPr lang="en-US" sz="1800" b="0" i="0" u="none" strike="noStrike" baseline="0" dirty="0" err="1">
+              <a:rPr lang="en-US" sz="2000" b="0" i="0" u="none" strike="noStrike" baseline="0" dirty="0" err="1">
                 <a:latin typeface="+mj-lt"/>
               </a:rPr>
               <a:t>overwritings</a:t>
             </a:r>
             <a:r>
-              <a:rPr lang="en-US" sz="1800" dirty="0">
+              <a:rPr lang="en-US" sz="2000" dirty="0">
                 <a:latin typeface="+mj-lt"/>
               </a:rPr>
               <a:t> </a:t>
             </a:r>
             <a:r>
-              <a:rPr lang="en-US" sz="1800" b="0" i="0" u="none" strike="noStrike" baseline="0" dirty="0">
+              <a:rPr lang="en-US" sz="2000" b="0" i="0" u="none" strike="noStrike" baseline="0" dirty="0">
                 <a:latin typeface="+mj-lt"/>
               </a:rPr>
               <a:t>during a current time slice over the average number of writings over the previous time slice</a:t>
             </a:r>
-            <a:endParaRPr lang="en-US" dirty="0">
+            <a:endParaRPr lang="en-US" sz="2000" dirty="0">
               <a:latin typeface="+mj-lt"/>
             </a:endParaRPr>
           </a:p>
